--- a/resources/logo source.pptx
+++ b/resources/logo source.pptx
@@ -104,6 +104,11 @@
       </a:defRPr>
     </a:lvl9pPr>
   </p:defaultTextStyle>
+  <p:extLst>
+    <p:ext uri="{EFAFB233-063F-42B5-8137-9DF3F51BA10A}">
+      <p15:sldGuideLst xmlns:p15="http://schemas.microsoft.com/office/powerpoint/2012/main"/>
+    </p:ext>
+  </p:extLst>
 </p:presentation>
 </file>
 
@@ -3693,10 +3698,10 @@
       </p:sp>
       <p:grpSp>
         <p:nvGrpSpPr>
-          <p:cNvPr id="47" name="Group 46">
-            <a:extLst>
-              <a:ext uri="{FF2B5EF4-FFF2-40B4-BE49-F238E27FC236}">
-                <a16:creationId xmlns:a16="http://schemas.microsoft.com/office/drawing/2014/main" id="{4EB2B047-9306-4F09-8D37-E1A1EA3A2852}"/>
+          <p:cNvPr id="7" name="Group 6">
+            <a:extLst>
+              <a:ext uri="{FF2B5EF4-FFF2-40B4-BE49-F238E27FC236}">
+                <a16:creationId xmlns:a16="http://schemas.microsoft.com/office/drawing/2014/main" id="{8306EF62-A3D7-4A30-84AB-4BBB5182B199}"/>
               </a:ext>
             </a:extLst>
           </p:cNvPr>
@@ -3705,10 +3710,10 @@
         </p:nvGrpSpPr>
         <p:grpSpPr>
           <a:xfrm>
-            <a:off x="3653527" y="1542650"/>
-            <a:ext cx="3600000" cy="3600000"/>
-            <a:chOff x="3653527" y="1542650"/>
-            <a:chExt cx="3600000" cy="3600000"/>
+            <a:off x="2099435" y="1090371"/>
+            <a:ext cx="4320000" cy="4320000"/>
+            <a:chOff x="2099435" y="1090371"/>
+            <a:chExt cx="4320000" cy="4320000"/>
           </a:xfrm>
         </p:grpSpPr>
         <p:sp>
@@ -3725,8 +3730,8 @@
           </p:nvSpPr>
           <p:spPr>
             <a:xfrm>
-              <a:off x="3653527" y="1542650"/>
-              <a:ext cx="3600000" cy="3600000"/>
+              <a:off x="2099435" y="1090371"/>
+              <a:ext cx="4320000" cy="4320000"/>
             </a:xfrm>
             <a:prstGeom prst="rect">
               <a:avLst/>
@@ -3777,7 +3782,7 @@
           </p:nvSpPr>
           <p:spPr>
             <a:xfrm>
-              <a:off x="4553527" y="3162650"/>
+              <a:off x="3325743" y="3070371"/>
               <a:ext cx="1800000" cy="360000"/>
             </a:xfrm>
             <a:prstGeom prst="roundRect">
@@ -3831,7 +3836,7 @@
           </p:nvSpPr>
           <p:spPr>
             <a:xfrm>
-              <a:off x="3779362" y="1722650"/>
+              <a:off x="2551578" y="1630371"/>
               <a:ext cx="1800000" cy="1800000"/>
             </a:xfrm>
             <a:prstGeom prst="chord">
@@ -3886,7 +3891,7 @@
           </p:nvSpPr>
           <p:spPr>
             <a:xfrm>
-              <a:off x="4553527" y="1722650"/>
+              <a:off x="3325743" y="1630371"/>
               <a:ext cx="1800000" cy="360000"/>
             </a:xfrm>
             <a:prstGeom prst="roundRect">
@@ -3940,7 +3945,7 @@
           </p:nvSpPr>
           <p:spPr>
             <a:xfrm flipH="1">
-              <a:off x="5327693" y="3162650"/>
+              <a:off x="4099909" y="3070371"/>
               <a:ext cx="1799999" cy="1800000"/>
             </a:xfrm>
             <a:prstGeom prst="chord">
@@ -3995,7 +4000,7 @@
           </p:nvSpPr>
           <p:spPr>
             <a:xfrm>
-              <a:off x="4553527" y="4602650"/>
+              <a:off x="3325743" y="4510371"/>
               <a:ext cx="1800000" cy="360000"/>
             </a:xfrm>
             <a:prstGeom prst="roundRect">
@@ -4049,7 +4054,7 @@
           </p:nvSpPr>
           <p:spPr>
             <a:xfrm>
-              <a:off x="4139362" y="2082650"/>
+              <a:off x="2911578" y="1990371"/>
               <a:ext cx="1080000" cy="1080000"/>
             </a:xfrm>
             <a:prstGeom prst="ellipse">
@@ -4101,7 +4106,7 @@
           </p:nvSpPr>
           <p:spPr>
             <a:xfrm>
-              <a:off x="5687693" y="3522650"/>
+              <a:off x="4459909" y="3430371"/>
               <a:ext cx="1080000" cy="1080000"/>
             </a:xfrm>
             <a:prstGeom prst="ellipse">
@@ -4153,7 +4158,7 @@
           </p:nvGrpSpPr>
           <p:grpSpPr>
             <a:xfrm>
-              <a:off x="4363725" y="2230050"/>
+              <a:off x="3135941" y="2137771"/>
               <a:ext cx="1215637" cy="360000"/>
               <a:chOff x="8545390" y="1902650"/>
               <a:chExt cx="1215637" cy="360000"/>
@@ -4332,7 +4337,7 @@
           </p:nvGrpSpPr>
           <p:grpSpPr>
             <a:xfrm>
-              <a:off x="5327693" y="2712650"/>
+              <a:off x="4099909" y="2620371"/>
               <a:ext cx="1215637" cy="360000"/>
               <a:chOff x="8545390" y="1902650"/>
               <a:chExt cx="1215637" cy="360000"/>
@@ -4511,7 +4516,7 @@
           </p:nvGrpSpPr>
           <p:grpSpPr>
             <a:xfrm>
-              <a:off x="4283528" y="3634600"/>
+              <a:off x="3055744" y="3542321"/>
               <a:ext cx="1215637" cy="360000"/>
               <a:chOff x="8545390" y="1902650"/>
               <a:chExt cx="1215637" cy="360000"/>
@@ -4690,7 +4695,7 @@
           </p:nvGrpSpPr>
           <p:grpSpPr>
             <a:xfrm>
-              <a:off x="5319165" y="4152650"/>
+              <a:off x="4091381" y="4009571"/>
               <a:ext cx="1215637" cy="360000"/>
               <a:chOff x="8545390" y="1902650"/>
               <a:chExt cx="1215637" cy="360000"/>
@@ -4869,7 +4874,7 @@
           </p:nvSpPr>
           <p:spPr>
             <a:xfrm>
-              <a:off x="4632225" y="1812650"/>
+              <a:off x="3404441" y="1720371"/>
               <a:ext cx="180000" cy="180000"/>
             </a:xfrm>
             <a:prstGeom prst="ellipse">
@@ -4921,7 +4926,7 @@
           </p:nvSpPr>
           <p:spPr>
             <a:xfrm>
-              <a:off x="4918720" y="1831800"/>
+              <a:off x="3690936" y="1739521"/>
               <a:ext cx="1220143" cy="141200"/>
             </a:xfrm>
             <a:prstGeom prst="rect">
@@ -4973,7 +4978,7 @@
           </p:nvSpPr>
           <p:spPr>
             <a:xfrm>
-              <a:off x="4632225" y="3253150"/>
+              <a:off x="3404441" y="3160871"/>
               <a:ext cx="180000" cy="180000"/>
             </a:xfrm>
             <a:prstGeom prst="ellipse">
@@ -5025,7 +5030,7 @@
           </p:nvSpPr>
           <p:spPr>
             <a:xfrm>
-              <a:off x="4918720" y="3272300"/>
+              <a:off x="3690936" y="3180021"/>
               <a:ext cx="1220143" cy="141200"/>
             </a:xfrm>
             <a:prstGeom prst="rect">
@@ -5077,7 +5082,7 @@
           </p:nvSpPr>
           <p:spPr>
             <a:xfrm>
-              <a:off x="4632225" y="4695712"/>
+              <a:off x="3404441" y="4603433"/>
               <a:ext cx="180000" cy="180000"/>
             </a:xfrm>
             <a:prstGeom prst="ellipse">
@@ -5129,7 +5134,7 @@
           </p:nvSpPr>
           <p:spPr>
             <a:xfrm>
-              <a:off x="4918720" y="4714862"/>
+              <a:off x="3690936" y="4622583"/>
               <a:ext cx="1220143" cy="141200"/>
             </a:xfrm>
             <a:prstGeom prst="rect">
